--- a/03_SuperComputing.pptx
+++ b/03_SuperComputing.pptx
@@ -5,7 +5,7 @@
     <p:sldMasterId id="2147483648" r:id="rId1"/>
   </p:sldMasterIdLst>
   <p:notesMasterIdLst>
-    <p:notesMasterId r:id="rId22"/>
+    <p:notesMasterId r:id="rId24"/>
   </p:notesMasterIdLst>
   <p:sldIdLst>
     <p:sldId id="256" r:id="rId2"/>
@@ -27,7 +27,9 @@
     <p:sldId id="288" r:id="rId18"/>
     <p:sldId id="289" r:id="rId19"/>
     <p:sldId id="290" r:id="rId20"/>
-    <p:sldId id="259" r:id="rId21"/>
+    <p:sldId id="291" r:id="rId21"/>
+    <p:sldId id="292" r:id="rId22"/>
+    <p:sldId id="259" r:id="rId23"/>
   </p:sldIdLst>
   <p:sldSz cx="9144000" cy="6858000" type="screen4x3"/>
   <p:notesSz cx="6858000" cy="9144000"/>
@@ -7722,6 +7724,581 @@
             <a:off x="0" y="2130425"/>
             <a:ext cx="9144000" cy="1470025"/>
           </a:xfrm>
+          <a:solidFill>
+            <a:srgbClr val="00B0F0"/>
+          </a:solidFill>
+        </p:spPr>
+        <p:txBody>
+          <a:bodyPr>
+            <a:normAutofit/>
+          </a:bodyPr>
+          <a:lstStyle/>
+          <a:p>
+            <a:r>
+              <a:rPr lang="en-US" altLang="zh-TW" sz="4800" b="1" dirty="0">
+                <a:solidFill>
+                  <a:srgbClr val="FFFF00"/>
+                </a:solidFill>
+              </a:rPr>
+              <a:t>3.4 Assignment</a:t>
+            </a:r>
+            <a:endParaRPr lang="zh-TW" altLang="en-US" sz="4800" b="1" dirty="0">
+              <a:solidFill>
+                <a:srgbClr val="FFFF00"/>
+              </a:solidFill>
+            </a:endParaRPr>
+          </a:p>
+        </p:txBody>
+      </p:sp>
+      <p:sp>
+        <p:nvSpPr>
+          <p:cNvPr id="5" name="日期版面配置區 4"/>
+          <p:cNvSpPr>
+            <a:spLocks noGrp="1"/>
+          </p:cNvSpPr>
+          <p:nvPr>
+            <p:ph type="dt" sz="half" idx="10"/>
+          </p:nvPr>
+        </p:nvSpPr>
+        <p:spPr/>
+        <p:txBody>
+          <a:bodyPr/>
+          <a:lstStyle/>
+          <a:p>
+            <a:fld id="{C389EDC9-19E3-47AC-9C57-C6A24DEA81AD}" type="datetime1">
+              <a:rPr lang="zh-TW" altLang="en-US" smtClean="0"/>
+              <a:pPr/>
+              <a:t>2020/8/25</a:t>
+            </a:fld>
+            <a:endParaRPr lang="zh-TW" altLang="en-US"/>
+          </a:p>
+        </p:txBody>
+      </p:sp>
+      <p:sp>
+        <p:nvSpPr>
+          <p:cNvPr id="6" name="投影片編號版面配置區 5"/>
+          <p:cNvSpPr>
+            <a:spLocks noGrp="1"/>
+          </p:cNvSpPr>
+          <p:nvPr>
+            <p:ph type="sldNum" sz="quarter" idx="12"/>
+          </p:nvPr>
+        </p:nvSpPr>
+        <p:spPr/>
+        <p:txBody>
+          <a:bodyPr/>
+          <a:lstStyle/>
+          <a:p>
+            <a:fld id="{E4D7E63D-91F2-4366-A2C4-1B00C9E2590E}" type="slidenum">
+              <a:rPr lang="zh-TW" altLang="en-US" smtClean="0"/>
+              <a:pPr/>
+              <a:t>20</a:t>
+            </a:fld>
+            <a:endParaRPr lang="zh-TW" altLang="en-US"/>
+          </a:p>
+        </p:txBody>
+      </p:sp>
+      <p:pic>
+        <p:nvPicPr>
+          <p:cNvPr id="1026" name="Picture 2" descr="CUDA - Wikipedia">
+            <a:extLst>
+              <a:ext uri="{FF2B5EF4-FFF2-40B4-BE49-F238E27FC236}">
+                <a16:creationId xmlns:a16="http://schemas.microsoft.com/office/drawing/2014/main" id="{B2365F29-CD3B-4541-AEDE-2E065409D3C6}"/>
+              </a:ext>
+            </a:extLst>
+          </p:cNvPr>
+          <p:cNvPicPr>
+            <a:picLocks noChangeAspect="1" noChangeArrowheads="1"/>
+          </p:cNvPicPr>
+          <p:nvPr/>
+        </p:nvPicPr>
+        <p:blipFill>
+          <a:blip r:embed="rId2" cstate="print">
+            <a:extLst>
+              <a:ext uri="{28A0092B-C50C-407E-A947-70E740481C1C}">
+                <a14:useLocalDpi xmlns:a14="http://schemas.microsoft.com/office/drawing/2010/main" val="0"/>
+              </a:ext>
+            </a:extLst>
+          </a:blip>
+          <a:srcRect/>
+          <a:stretch>
+            <a:fillRect/>
+          </a:stretch>
+        </p:blipFill>
+        <p:spPr bwMode="auto">
+          <a:xfrm>
+            <a:off x="3998188" y="3743325"/>
+            <a:ext cx="1147624" cy="694928"/>
+          </a:xfrm>
+          <a:prstGeom prst="rect">
+            <a:avLst/>
+          </a:prstGeom>
+          <a:noFill/>
+          <a:extLst>
+            <a:ext uri="{909E8E84-426E-40DD-AFC4-6F175D3DCCD1}">
+              <a14:hiddenFill xmlns:a14="http://schemas.microsoft.com/office/drawing/2010/main">
+                <a:solidFill>
+                  <a:srgbClr val="FFFFFF"/>
+                </a:solidFill>
+              </a14:hiddenFill>
+            </a:ext>
+          </a:extLst>
+        </p:spPr>
+      </p:pic>
+    </p:spTree>
+    <p:extLst>
+      <p:ext uri="{BB962C8B-B14F-4D97-AF65-F5344CB8AC3E}">
+        <p14:creationId xmlns:p14="http://schemas.microsoft.com/office/powerpoint/2010/main" val="188785984"/>
+      </p:ext>
+    </p:extLst>
+  </p:cSld>
+  <p:clrMapOvr>
+    <a:masterClrMapping/>
+  </p:clrMapOvr>
+</p:sld>
+</file>
+
+<file path=ppt/slides/slide21.xml><?xml version="1.0" encoding="utf-8"?>
+<p:sld xmlns:a="http://schemas.openxmlformats.org/drawingml/2006/main" xmlns:r="http://schemas.openxmlformats.org/officeDocument/2006/relationships" xmlns:p="http://schemas.openxmlformats.org/presentationml/2006/main">
+  <p:cSld>
+    <p:spTree>
+      <p:nvGrpSpPr>
+        <p:cNvPr id="1" name=""/>
+        <p:cNvGrpSpPr/>
+        <p:nvPr/>
+      </p:nvGrpSpPr>
+      <p:grpSpPr>
+        <a:xfrm>
+          <a:off x="0" y="0"/>
+          <a:ext cx="0" cy="0"/>
+          <a:chOff x="0" y="0"/>
+          <a:chExt cx="0" cy="0"/>
+        </a:xfrm>
+      </p:grpSpPr>
+      <p:sp>
+        <p:nvSpPr>
+          <p:cNvPr id="2" name="標題 1"/>
+          <p:cNvSpPr>
+            <a:spLocks noGrp="1"/>
+          </p:cNvSpPr>
+          <p:nvPr>
+            <p:ph type="ctrTitle"/>
+          </p:nvPr>
+        </p:nvSpPr>
+        <p:spPr>
+          <a:xfrm>
+            <a:off x="0" y="1"/>
+            <a:ext cx="9144000" cy="764704"/>
+          </a:xfrm>
+          <a:gradFill flip="none" rotWithShape="1">
+            <a:gsLst>
+              <a:gs pos="0">
+                <a:srgbClr val="C00000">
+                  <a:shade val="30000"/>
+                  <a:satMod val="115000"/>
+                </a:srgbClr>
+              </a:gs>
+              <a:gs pos="50000">
+                <a:srgbClr val="C00000">
+                  <a:shade val="67500"/>
+                  <a:satMod val="115000"/>
+                </a:srgbClr>
+              </a:gs>
+              <a:gs pos="100000">
+                <a:srgbClr val="C00000">
+                  <a:shade val="100000"/>
+                  <a:satMod val="115000"/>
+                </a:srgbClr>
+              </a:gs>
+            </a:gsLst>
+            <a:path path="circle">
+              <a:fillToRect t="100000" r="100000"/>
+            </a:path>
+            <a:tileRect l="-100000" b="-100000"/>
+          </a:gradFill>
+        </p:spPr>
+        <p:txBody>
+          <a:bodyPr/>
+          <a:lstStyle/>
+          <a:p>
+            <a:pPr algn="l"/>
+            <a:r>
+              <a:rPr lang="en-US" altLang="zh-TW" sz="4400" b="1" dirty="0">
+                <a:solidFill>
+                  <a:srgbClr val="FFFF00"/>
+                </a:solidFill>
+              </a:rPr>
+              <a:t>3.4 Assignment</a:t>
+            </a:r>
+            <a:endParaRPr lang="zh-TW" altLang="en-US" b="1" dirty="0">
+              <a:solidFill>
+                <a:srgbClr val="FFFF00"/>
+              </a:solidFill>
+            </a:endParaRPr>
+          </a:p>
+        </p:txBody>
+      </p:sp>
+      <p:sp>
+        <p:nvSpPr>
+          <p:cNvPr id="3" name="副標題 2"/>
+          <p:cNvSpPr>
+            <a:spLocks noGrp="1"/>
+          </p:cNvSpPr>
+          <p:nvPr>
+            <p:ph type="subTitle" idx="1"/>
+          </p:nvPr>
+        </p:nvSpPr>
+        <p:spPr>
+          <a:xfrm>
+            <a:off x="520543" y="1391462"/>
+            <a:ext cx="8102913" cy="5133882"/>
+          </a:xfrm>
+          <a:ln>
+            <a:solidFill>
+              <a:srgbClr val="C00000"/>
+            </a:solidFill>
+          </a:ln>
+        </p:spPr>
+        <p:txBody>
+          <a:bodyPr>
+            <a:noAutofit/>
+          </a:bodyPr>
+          <a:lstStyle/>
+          <a:p>
+            <a:pPr marL="342900" indent="-342900" algn="l">
+              <a:buClr>
+                <a:srgbClr val="0070C0"/>
+              </a:buClr>
+              <a:buSzPct val="80000"/>
+              <a:buFont typeface="Wingdings" pitchFamily="2" charset="2"/>
+              <a:buChar char="u"/>
+            </a:pPr>
+            <a:r>
+              <a:rPr lang="en-US" altLang="en-US" sz="1800" b="1" dirty="0">
+                <a:solidFill>
+                  <a:schemeClr val="tx1"/>
+                </a:solidFill>
+              </a:rPr>
+              <a:t>Assignment</a:t>
+            </a:r>
+          </a:p>
+          <a:p>
+            <a:pPr marL="342900" indent="-342900" algn="l">
+              <a:buClr>
+                <a:srgbClr val="0070C0"/>
+              </a:buClr>
+              <a:buSzPct val="80000"/>
+              <a:buFont typeface="Wingdings" pitchFamily="2" charset="2"/>
+              <a:buChar char="u"/>
+            </a:pPr>
+            <a:r>
+              <a:rPr lang="en-US" altLang="en-US" sz="1800" b="1" dirty="0">
+                <a:solidFill>
+                  <a:schemeClr val="tx1"/>
+                </a:solidFill>
+              </a:rPr>
+              <a:t>1. List 2 more field which benefited from Super Computing</a:t>
+            </a:r>
+          </a:p>
+          <a:p>
+            <a:pPr marL="342900" indent="-342900" algn="l">
+              <a:buClr>
+                <a:srgbClr val="0070C0"/>
+              </a:buClr>
+              <a:buSzPct val="80000"/>
+              <a:buFont typeface="Wingdings" pitchFamily="2" charset="2"/>
+              <a:buChar char="u"/>
+            </a:pPr>
+            <a:r>
+              <a:rPr lang="en-US" altLang="en-US" sz="1800" b="1" dirty="0">
+                <a:solidFill>
+                  <a:schemeClr val="tx1"/>
+                </a:solidFill>
+              </a:rPr>
+              <a:t>Ans: </a:t>
+            </a:r>
+          </a:p>
+          <a:p>
+            <a:pPr marL="342900" indent="-342900" algn="l">
+              <a:buClr>
+                <a:srgbClr val="0070C0"/>
+              </a:buClr>
+              <a:buSzPct val="80000"/>
+              <a:buFont typeface="Wingdings" pitchFamily="2" charset="2"/>
+              <a:buChar char="u"/>
+            </a:pPr>
+            <a:r>
+              <a:rPr lang="en-US" altLang="en-US" sz="1800" b="1" dirty="0">
+                <a:solidFill>
+                  <a:schemeClr val="tx1"/>
+                </a:solidFill>
+              </a:rPr>
+              <a:t>a) Biomedical research</a:t>
+            </a:r>
+          </a:p>
+          <a:p>
+            <a:pPr marL="342900" indent="-342900" algn="l">
+              <a:buClr>
+                <a:srgbClr val="0070C0"/>
+              </a:buClr>
+              <a:buSzPct val="80000"/>
+              <a:buFont typeface="Wingdings" pitchFamily="2" charset="2"/>
+              <a:buChar char="u"/>
+            </a:pPr>
+            <a:r>
+              <a:rPr lang="en-US" altLang="en-US" sz="1800" b="1" dirty="0">
+                <a:solidFill>
+                  <a:schemeClr val="tx1"/>
+                </a:solidFill>
+              </a:rPr>
+              <a:t>b) Aerospace research</a:t>
+            </a:r>
+          </a:p>
+          <a:p>
+            <a:pPr marL="342900" indent="-342900" algn="l">
+              <a:buClr>
+                <a:srgbClr val="0070C0"/>
+              </a:buClr>
+              <a:buSzPct val="80000"/>
+              <a:buFont typeface="Wingdings" pitchFamily="2" charset="2"/>
+              <a:buChar char="u"/>
+            </a:pPr>
+            <a:r>
+              <a:rPr lang="en-US" altLang="en-US" sz="1800" b="1" dirty="0">
+                <a:solidFill>
+                  <a:schemeClr val="tx1"/>
+                </a:solidFill>
+              </a:rPr>
+              <a:t>c) Physics</a:t>
+            </a:r>
+          </a:p>
+          <a:p>
+            <a:pPr marL="342900" indent="-342900" algn="l">
+              <a:buClr>
+                <a:srgbClr val="0070C0"/>
+              </a:buClr>
+              <a:buSzPct val="80000"/>
+              <a:buFont typeface="Wingdings" pitchFamily="2" charset="2"/>
+              <a:buChar char="u"/>
+            </a:pPr>
+            <a:r>
+              <a:rPr lang="en-US" altLang="en-US" sz="1800" b="1" dirty="0">
+                <a:solidFill>
+                  <a:schemeClr val="tx1"/>
+                </a:solidFill>
+              </a:rPr>
+              <a:t>2. Explain the term heterogeneous commuting in your word (Express your ide about that term) and list a place you can find heterogenous computing environment.</a:t>
+            </a:r>
+          </a:p>
+          <a:p>
+            <a:pPr marL="342900" indent="-342900" algn="l">
+              <a:buClr>
+                <a:srgbClr val="0070C0"/>
+              </a:buClr>
+              <a:buSzPct val="80000"/>
+              <a:buFont typeface="Wingdings" pitchFamily="2" charset="2"/>
+              <a:buChar char="u"/>
+            </a:pPr>
+            <a:r>
+              <a:rPr lang="en-US" altLang="en-US" sz="1800" b="1" dirty="0">
+                <a:solidFill>
+                  <a:schemeClr val="tx1"/>
+                </a:solidFill>
+              </a:rPr>
+              <a:t>Ans:</a:t>
+            </a:r>
+          </a:p>
+          <a:p>
+            <a:pPr marL="342900" indent="-342900" algn="l">
+              <a:buClr>
+                <a:srgbClr val="0070C0"/>
+              </a:buClr>
+              <a:buSzPct val="80000"/>
+              <a:buFont typeface="Wingdings" pitchFamily="2" charset="2"/>
+              <a:buChar char="u"/>
+            </a:pPr>
+            <a:r>
+              <a:rPr lang="en-US" altLang="en-US" sz="1800" b="1" dirty="0">
+                <a:solidFill>
+                  <a:schemeClr val="tx1"/>
+                </a:solidFill>
+              </a:rPr>
+              <a:t>a) Heterogenous computing refers to systems that use more than one kind of processor or cores.</a:t>
+            </a:r>
+          </a:p>
+          <a:p>
+            <a:pPr marL="342900" indent="-342900" algn="l">
+              <a:buClr>
+                <a:srgbClr val="0070C0"/>
+              </a:buClr>
+              <a:buSzPct val="80000"/>
+              <a:buFont typeface="Wingdings" pitchFamily="2" charset="2"/>
+              <a:buChar char="u"/>
+            </a:pPr>
+            <a:r>
+              <a:rPr lang="en-US" altLang="en-US" sz="1800" b="1" dirty="0">
+                <a:solidFill>
+                  <a:schemeClr val="tx1"/>
+                </a:solidFill>
+              </a:rPr>
+              <a:t>b) Embedded system from TI (Texas Instrument) and Qualcomm Snapdragon.</a:t>
+            </a:r>
+          </a:p>
+          <a:p>
+            <a:pPr marL="342900" indent="-342900" algn="l">
+              <a:buClr>
+                <a:srgbClr val="0070C0"/>
+              </a:buClr>
+              <a:buSzPct val="80000"/>
+              <a:buFont typeface="Wingdings" pitchFamily="2" charset="2"/>
+              <a:buChar char="u"/>
+            </a:pPr>
+            <a:r>
+              <a:rPr lang="en-US" altLang="en-US" sz="1800" b="1" dirty="0">
+                <a:solidFill>
+                  <a:schemeClr val="tx1"/>
+                </a:solidFill>
+              </a:rPr>
+              <a:t>3. Name the 3 fastest super computers in the world at the moment.</a:t>
+            </a:r>
+          </a:p>
+          <a:p>
+            <a:pPr marL="342900" indent="-342900" algn="l">
+              <a:buClr>
+                <a:srgbClr val="0070C0"/>
+              </a:buClr>
+              <a:buSzPct val="80000"/>
+              <a:buFont typeface="Wingdings" pitchFamily="2" charset="2"/>
+              <a:buChar char="u"/>
+            </a:pPr>
+            <a:r>
+              <a:rPr lang="en-US" sz="1800" b="1" i="0" dirty="0">
+                <a:solidFill>
+                  <a:schemeClr val="tx1"/>
+                </a:solidFill>
+                <a:effectLst/>
+              </a:rPr>
+              <a:t>Ans</a:t>
+            </a:r>
+            <a:r>
+              <a:rPr lang="en-US" sz="1800" b="1" dirty="0">
+                <a:solidFill>
+                  <a:schemeClr val="tx1"/>
+                </a:solidFill>
+              </a:rPr>
+              <a:t>:</a:t>
+            </a:r>
+            <a:r>
+              <a:rPr lang="en-US" sz="1800" b="1" i="0" dirty="0">
+                <a:solidFill>
+                  <a:srgbClr val="59595C"/>
+                </a:solidFill>
+                <a:effectLst/>
+              </a:rPr>
+              <a:t> </a:t>
+            </a:r>
+            <a:r>
+              <a:rPr lang="en-US" sz="1800" b="1" i="0" dirty="0" err="1">
+                <a:solidFill>
+                  <a:srgbClr val="59595C"/>
+                </a:solidFill>
+                <a:effectLst/>
+              </a:rPr>
+              <a:t>Fugaku</a:t>
+            </a:r>
+            <a:r>
+              <a:rPr lang="en-US" sz="1800" b="1" i="0" dirty="0">
+                <a:solidFill>
+                  <a:srgbClr val="59595C"/>
+                </a:solidFill>
+                <a:effectLst/>
+              </a:rPr>
+              <a:t> (Japan), 2. Summit (US) Oak </a:t>
+            </a:r>
+            <a:r>
+              <a:rPr lang="en-US" sz="1800" b="1" i="0">
+                <a:solidFill>
+                  <a:srgbClr val="59595C"/>
+                </a:solidFill>
+                <a:effectLst/>
+              </a:rPr>
+              <a:t>Ridge National Lab, </a:t>
+            </a:r>
+            <a:r>
+              <a:rPr lang="en-US" sz="1800" b="1" i="0" dirty="0">
+                <a:solidFill>
+                  <a:srgbClr val="59595C"/>
+                </a:solidFill>
+                <a:effectLst/>
+              </a:rPr>
+              <a:t>3. Sierra (US): Lawrence Livermore National Lab.</a:t>
+            </a:r>
+          </a:p>
+          <a:p>
+            <a:pPr marL="342900" indent="-342900" algn="l">
+              <a:buClr>
+                <a:srgbClr val="0070C0"/>
+              </a:buClr>
+              <a:buSzPct val="80000"/>
+              <a:buFont typeface="Wingdings" pitchFamily="2" charset="2"/>
+              <a:buChar char="u"/>
+            </a:pPr>
+            <a:endParaRPr lang="en-US" sz="1800" b="0" i="0" dirty="0">
+              <a:solidFill>
+                <a:srgbClr val="59595C"/>
+              </a:solidFill>
+              <a:effectLst/>
+              <a:latin typeface="Roboto"/>
+            </a:endParaRPr>
+          </a:p>
+          <a:p>
+            <a:pPr marL="342900" indent="-342900" algn="l">
+              <a:buClr>
+                <a:srgbClr val="0070C0"/>
+              </a:buClr>
+              <a:buSzPct val="80000"/>
+              <a:buFont typeface="Wingdings" pitchFamily="2" charset="2"/>
+              <a:buChar char="u"/>
+            </a:pPr>
+            <a:endParaRPr lang="en-US" altLang="en-US" sz="1800" b="1" dirty="0">
+              <a:solidFill>
+                <a:schemeClr val="tx1"/>
+              </a:solidFill>
+            </a:endParaRPr>
+          </a:p>
+          <a:p>
+            <a:pPr marL="342900" indent="-342900" algn="l">
+              <a:buClr>
+                <a:srgbClr val="0070C0"/>
+              </a:buClr>
+              <a:buSzPct val="80000"/>
+              <a:buFont typeface="Wingdings" pitchFamily="2" charset="2"/>
+              <a:buChar char="u"/>
+            </a:pPr>
+            <a:endParaRPr lang="en-US" altLang="en-US" sz="1800" b="1" dirty="0">
+              <a:solidFill>
+                <a:schemeClr val="tx1"/>
+              </a:solidFill>
+            </a:endParaRPr>
+          </a:p>
+        </p:txBody>
+      </p:sp>
+      <p:sp>
+        <p:nvSpPr>
+          <p:cNvPr id="4" name="標題 1"/>
+          <p:cNvSpPr txBox="1">
+            <a:spLocks/>
+          </p:cNvSpPr>
+          <p:nvPr/>
+        </p:nvSpPr>
+        <p:spPr>
+          <a:xfrm>
+            <a:off x="0" y="764704"/>
+            <a:ext cx="9144000" cy="398616"/>
+          </a:xfrm>
+          <a:prstGeom prst="rect">
+            <a:avLst/>
+          </a:prstGeom>
           <a:gradFill flip="none" rotWithShape="1">
             <a:gsLst>
               <a:gs pos="0">
@@ -7750,6 +8327,153 @@
           </a:gradFill>
         </p:spPr>
         <p:txBody>
+          <a:bodyPr vert="horz" lIns="91440" tIns="45720" rIns="91440" bIns="45720" rtlCol="0" anchor="ctr">
+            <a:normAutofit/>
+          </a:bodyPr>
+          <a:lstStyle/>
+          <a:p>
+            <a:pPr marL="0" lvl="1"/>
+            <a:r>
+              <a:rPr lang="en-US" sz="1600" dirty="0">
+                <a:hlinkClick r:id="rId2"/>
+              </a:rPr>
+              <a:t>https://www.udemy.com/course/cuda-programming-masterclass/learn/lecture/11833342#overview</a:t>
+            </a:r>
+            <a:endParaRPr lang="en-US" sz="1600" dirty="0"/>
+          </a:p>
+        </p:txBody>
+      </p:sp>
+      <p:sp>
+        <p:nvSpPr>
+          <p:cNvPr id="5" name="日期版面配置區 4"/>
+          <p:cNvSpPr>
+            <a:spLocks noGrp="1"/>
+          </p:cNvSpPr>
+          <p:nvPr>
+            <p:ph type="dt" sz="half" idx="10"/>
+          </p:nvPr>
+        </p:nvSpPr>
+        <p:spPr>
+          <a:xfrm>
+            <a:off x="457200" y="6356350"/>
+            <a:ext cx="2133600" cy="404246"/>
+          </a:xfrm>
+        </p:spPr>
+        <p:txBody>
+          <a:bodyPr/>
+          <a:lstStyle/>
+          <a:p>
+            <a:fld id="{A4F910E6-8D00-4BAF-8C48-9688E0B449D3}" type="datetime1">
+              <a:rPr lang="zh-TW" altLang="en-US" smtClean="0"/>
+              <a:pPr/>
+              <a:t>2020/8/25</a:t>
+            </a:fld>
+            <a:endParaRPr lang="zh-TW" altLang="en-US"/>
+          </a:p>
+        </p:txBody>
+      </p:sp>
+      <p:sp>
+        <p:nvSpPr>
+          <p:cNvPr id="6" name="投影片編號版面配置區 5"/>
+          <p:cNvSpPr>
+            <a:spLocks noGrp="1"/>
+          </p:cNvSpPr>
+          <p:nvPr>
+            <p:ph type="sldNum" sz="quarter" idx="12"/>
+          </p:nvPr>
+        </p:nvSpPr>
+        <p:spPr>
+          <a:xfrm>
+            <a:off x="6553200" y="6356350"/>
+            <a:ext cx="2133600" cy="404246"/>
+          </a:xfrm>
+        </p:spPr>
+        <p:txBody>
+          <a:bodyPr/>
+          <a:lstStyle/>
+          <a:p>
+            <a:fld id="{E4D7E63D-91F2-4366-A2C4-1B00C9E2590E}" type="slidenum">
+              <a:rPr lang="zh-TW" altLang="en-US" smtClean="0"/>
+              <a:pPr/>
+              <a:t>21</a:t>
+            </a:fld>
+            <a:endParaRPr lang="zh-TW" altLang="en-US"/>
+          </a:p>
+        </p:txBody>
+      </p:sp>
+    </p:spTree>
+    <p:extLst>
+      <p:ext uri="{BB962C8B-B14F-4D97-AF65-F5344CB8AC3E}">
+        <p14:creationId xmlns:p14="http://schemas.microsoft.com/office/powerpoint/2010/main" val="1932068417"/>
+      </p:ext>
+    </p:extLst>
+  </p:cSld>
+  <p:clrMapOvr>
+    <a:masterClrMapping/>
+  </p:clrMapOvr>
+</p:sld>
+</file>
+
+<file path=ppt/slides/slide22.xml><?xml version="1.0" encoding="utf-8"?>
+<p:sld xmlns:a="http://schemas.openxmlformats.org/drawingml/2006/main" xmlns:r="http://schemas.openxmlformats.org/officeDocument/2006/relationships" xmlns:p="http://schemas.openxmlformats.org/presentationml/2006/main">
+  <p:cSld>
+    <p:spTree>
+      <p:nvGrpSpPr>
+        <p:cNvPr id="1" name=""/>
+        <p:cNvGrpSpPr/>
+        <p:nvPr/>
+      </p:nvGrpSpPr>
+      <p:grpSpPr>
+        <a:xfrm>
+          <a:off x="0" y="0"/>
+          <a:ext cx="0" cy="0"/>
+          <a:chOff x="0" y="0"/>
+          <a:chExt cx="0" cy="0"/>
+        </a:xfrm>
+      </p:grpSpPr>
+      <p:sp>
+        <p:nvSpPr>
+          <p:cNvPr id="2" name="標題 1"/>
+          <p:cNvSpPr>
+            <a:spLocks noGrp="1"/>
+          </p:cNvSpPr>
+          <p:nvPr>
+            <p:ph type="ctrTitle"/>
+          </p:nvPr>
+        </p:nvSpPr>
+        <p:spPr>
+          <a:xfrm>
+            <a:off x="0" y="2130425"/>
+            <a:ext cx="9144000" cy="1470025"/>
+          </a:xfrm>
+          <a:gradFill flip="none" rotWithShape="1">
+            <a:gsLst>
+              <a:gs pos="0">
+                <a:srgbClr val="00B0F0">
+                  <a:shade val="30000"/>
+                  <a:satMod val="115000"/>
+                </a:srgbClr>
+              </a:gs>
+              <a:gs pos="50000">
+                <a:srgbClr val="00B0F0">
+                  <a:shade val="67500"/>
+                  <a:satMod val="115000"/>
+                </a:srgbClr>
+              </a:gs>
+              <a:gs pos="100000">
+                <a:srgbClr val="00B0F0">
+                  <a:shade val="100000"/>
+                  <a:satMod val="115000"/>
+                </a:srgbClr>
+              </a:gs>
+            </a:gsLst>
+            <a:path path="circle">
+              <a:fillToRect t="100000" r="100000"/>
+            </a:path>
+            <a:tileRect l="-100000" b="-100000"/>
+          </a:gradFill>
+        </p:spPr>
+        <p:txBody>
           <a:bodyPr>
             <a:normAutofit/>
           </a:bodyPr>
@@ -7813,7 +8537,7 @@
             <a:fld id="{E4D7E63D-91F2-4366-A2C4-1B00C9E2590E}" type="slidenum">
               <a:rPr lang="zh-TW" altLang="en-US" smtClean="0"/>
               <a:pPr/>
-              <a:t>20</a:t>
+              <a:t>22</a:t>
             </a:fld>
             <a:endParaRPr lang="zh-TW" altLang="en-US"/>
           </a:p>

--- a/03_SuperComputing.pptx
+++ b/03_SuperComputing.pptx
@@ -5,7 +5,7 @@
     <p:sldMasterId id="2147483648" r:id="rId1"/>
   </p:sldMasterIdLst>
   <p:notesMasterIdLst>
-    <p:notesMasterId r:id="rId24"/>
+    <p:notesMasterId r:id="rId25"/>
   </p:notesMasterIdLst>
   <p:sldIdLst>
     <p:sldId id="256" r:id="rId2"/>
@@ -29,7 +29,8 @@
     <p:sldId id="290" r:id="rId20"/>
     <p:sldId id="291" r:id="rId21"/>
     <p:sldId id="292" r:id="rId22"/>
-    <p:sldId id="259" r:id="rId23"/>
+    <p:sldId id="293" r:id="rId23"/>
+    <p:sldId id="259" r:id="rId24"/>
   </p:sldIdLst>
   <p:sldSz cx="9144000" cy="6858000" type="screen4x3"/>
   <p:notesSz cx="6858000" cy="9144000"/>
@@ -7951,7 +7952,7 @@
         <p:spPr>
           <a:xfrm>
             <a:off x="520543" y="1391462"/>
-            <a:ext cx="8102913" cy="5133882"/>
+            <a:ext cx="8102913" cy="4053762"/>
           </a:xfrm>
           <a:ln>
             <a:solidFill>
@@ -8028,12 +8029,27 @@
               <a:buChar char="u"/>
             </a:pPr>
             <a:r>
-              <a:rPr lang="en-US" altLang="en-US" sz="1800" b="1" dirty="0">
-                <a:solidFill>
-                  <a:schemeClr val="tx1"/>
-                </a:solidFill>
-              </a:rPr>
-              <a:t>a) Biomedical research</a:t>
+              <a:rPr lang="en-US" sz="1800" b="0" i="0" dirty="0">
+                <a:solidFill>
+                  <a:srgbClr val="29303B"/>
+                </a:solidFill>
+                <a:effectLst/>
+                <a:latin typeface="sf pro text"/>
+              </a:rPr>
+              <a:t>1) Autonomous driving especially in computer vision and machine perception</a:t>
+            </a:r>
+            <a:br>
+              <a:rPr lang="en-US" sz="1800" dirty="0"/>
+            </a:br>
+            <a:r>
+              <a:rPr lang="en-US" sz="1800" b="0" i="0" dirty="0">
+                <a:solidFill>
+                  <a:srgbClr val="29303B"/>
+                </a:solidFill>
+                <a:effectLst/>
+                <a:latin typeface="sf pro text"/>
+              </a:rPr>
+              <a:t>2) High-performance gaming platforms</a:t>
             </a:r>
           </a:p>
           <a:p>
@@ -8051,7 +8067,7 @@
                   <a:schemeClr val="tx1"/>
                 </a:solidFill>
               </a:rPr>
-              <a:t>b) Aerospace research</a:t>
+              <a:t>2. Explain the term heterogeneous commuting in your word (Express your ide about that term) and list a place you can find heterogenous computing environment.</a:t>
             </a:r>
           </a:p>
           <a:p>
@@ -8069,7 +8085,7 @@
                   <a:schemeClr val="tx1"/>
                 </a:solidFill>
               </a:rPr>
-              <a:t>c) Physics</a:t>
+              <a:t>Ans:</a:t>
             </a:r>
           </a:p>
           <a:p>
@@ -8082,198 +8098,22 @@
               <a:buChar char="u"/>
             </a:pPr>
             <a:r>
-              <a:rPr lang="en-US" altLang="en-US" sz="1800" b="1" dirty="0">
-                <a:solidFill>
-                  <a:schemeClr val="tx1"/>
-                </a:solidFill>
-              </a:rPr>
-              <a:t>2. Explain the term heterogeneous commuting in your word (Express your ide about that term) and list a place you can find heterogenous computing environment.</a:t>
-            </a:r>
-          </a:p>
-          <a:p>
-            <a:pPr marL="342900" indent="-342900" algn="l">
+              <a:rPr lang="en-US" sz="1800" b="0" i="0" dirty="0">
+                <a:solidFill>
+                  <a:srgbClr val="29303B"/>
+                </a:solidFill>
+                <a:effectLst/>
+                <a:latin typeface="sf pro text"/>
+              </a:rPr>
+              <a:t>Heterogeneous computing is a collaborative computing environment that makes use of the processing possibilities of collection of CPUs, GPUs, DSPs, and FPGAs. Examples of a heterogeneous computing platform are laptops and autonomous driving cars.</a:t>
+            </a:r>
+          </a:p>
+          <a:p>
+            <a:pPr algn="l">
               <a:buClr>
                 <a:srgbClr val="0070C0"/>
               </a:buClr>
               <a:buSzPct val="80000"/>
-              <a:buFont typeface="Wingdings" pitchFamily="2" charset="2"/>
-              <a:buChar char="u"/>
-            </a:pPr>
-            <a:r>
-              <a:rPr lang="en-US" altLang="en-US" sz="1800" b="1" dirty="0">
-                <a:solidFill>
-                  <a:schemeClr val="tx1"/>
-                </a:solidFill>
-              </a:rPr>
-              <a:t>Ans:</a:t>
-            </a:r>
-          </a:p>
-          <a:p>
-            <a:pPr marL="342900" indent="-342900" algn="l">
-              <a:buClr>
-                <a:srgbClr val="0070C0"/>
-              </a:buClr>
-              <a:buSzPct val="80000"/>
-              <a:buFont typeface="Wingdings" pitchFamily="2" charset="2"/>
-              <a:buChar char="u"/>
-            </a:pPr>
-            <a:r>
-              <a:rPr lang="en-US" altLang="en-US" sz="1800" b="1" dirty="0">
-                <a:solidFill>
-                  <a:schemeClr val="tx1"/>
-                </a:solidFill>
-              </a:rPr>
-              <a:t>a) Heterogenous computing refers to systems that use more than one kind of processor or cores.</a:t>
-            </a:r>
-          </a:p>
-          <a:p>
-            <a:pPr marL="342900" indent="-342900" algn="l">
-              <a:buClr>
-                <a:srgbClr val="0070C0"/>
-              </a:buClr>
-              <a:buSzPct val="80000"/>
-              <a:buFont typeface="Wingdings" pitchFamily="2" charset="2"/>
-              <a:buChar char="u"/>
-            </a:pPr>
-            <a:r>
-              <a:rPr lang="en-US" altLang="en-US" sz="1800" b="1" dirty="0">
-                <a:solidFill>
-                  <a:schemeClr val="tx1"/>
-                </a:solidFill>
-              </a:rPr>
-              <a:t>b) Embedded system from TI (Texas Instrument) and Qualcomm Snapdragon.</a:t>
-            </a:r>
-          </a:p>
-          <a:p>
-            <a:pPr marL="342900" indent="-342900" algn="l">
-              <a:buClr>
-                <a:srgbClr val="0070C0"/>
-              </a:buClr>
-              <a:buSzPct val="80000"/>
-              <a:buFont typeface="Wingdings" pitchFamily="2" charset="2"/>
-              <a:buChar char="u"/>
-            </a:pPr>
-            <a:r>
-              <a:rPr lang="en-US" altLang="en-US" sz="1800" b="1" dirty="0">
-                <a:solidFill>
-                  <a:schemeClr val="tx1"/>
-                </a:solidFill>
-              </a:rPr>
-              <a:t>3. Name the 3 fastest super computers in the world at the moment.</a:t>
-            </a:r>
-          </a:p>
-          <a:p>
-            <a:pPr marL="342900" indent="-342900" algn="l">
-              <a:buClr>
-                <a:srgbClr val="0070C0"/>
-              </a:buClr>
-              <a:buSzPct val="80000"/>
-              <a:buFont typeface="Wingdings" pitchFamily="2" charset="2"/>
-              <a:buChar char="u"/>
-            </a:pPr>
-            <a:r>
-              <a:rPr lang="en-US" sz="1800" b="1" i="0" dirty="0">
-                <a:solidFill>
-                  <a:schemeClr val="tx1"/>
-                </a:solidFill>
-                <a:effectLst/>
-              </a:rPr>
-              <a:t>Ans</a:t>
-            </a:r>
-            <a:r>
-              <a:rPr lang="en-US" sz="1800" b="1" dirty="0">
-                <a:solidFill>
-                  <a:schemeClr val="tx1"/>
-                </a:solidFill>
-              </a:rPr>
-              <a:t>:</a:t>
-            </a:r>
-            <a:r>
-              <a:rPr lang="en-US" sz="1800" b="1" i="0" dirty="0">
-                <a:solidFill>
-                  <a:srgbClr val="59595C"/>
-                </a:solidFill>
-                <a:effectLst/>
-              </a:rPr>
-              <a:t> </a:t>
-            </a:r>
-            <a:r>
-              <a:rPr lang="en-US" sz="1800" b="1" i="0" dirty="0" err="1">
-                <a:solidFill>
-                  <a:srgbClr val="59595C"/>
-                </a:solidFill>
-                <a:effectLst/>
-              </a:rPr>
-              <a:t>Fugaku</a:t>
-            </a:r>
-            <a:r>
-              <a:rPr lang="en-US" sz="1800" b="1" i="0" dirty="0">
-                <a:solidFill>
-                  <a:srgbClr val="59595C"/>
-                </a:solidFill>
-                <a:effectLst/>
-              </a:rPr>
-              <a:t> (Japan), 2. Summit (US) Oak </a:t>
-            </a:r>
-            <a:r>
-              <a:rPr lang="en-US" sz="1800" b="1" i="0">
-                <a:solidFill>
-                  <a:srgbClr val="59595C"/>
-                </a:solidFill>
-                <a:effectLst/>
-              </a:rPr>
-              <a:t>Ridge National Lab, </a:t>
-            </a:r>
-            <a:r>
-              <a:rPr lang="en-US" sz="1800" b="1" i="0" dirty="0">
-                <a:solidFill>
-                  <a:srgbClr val="59595C"/>
-                </a:solidFill>
-                <a:effectLst/>
-              </a:rPr>
-              <a:t>3. Sierra (US): Lawrence Livermore National Lab.</a:t>
-            </a:r>
-          </a:p>
-          <a:p>
-            <a:pPr marL="342900" indent="-342900" algn="l">
-              <a:buClr>
-                <a:srgbClr val="0070C0"/>
-              </a:buClr>
-              <a:buSzPct val="80000"/>
-              <a:buFont typeface="Wingdings" pitchFamily="2" charset="2"/>
-              <a:buChar char="u"/>
-            </a:pPr>
-            <a:endParaRPr lang="en-US" sz="1800" b="0" i="0" dirty="0">
-              <a:solidFill>
-                <a:srgbClr val="59595C"/>
-              </a:solidFill>
-              <a:effectLst/>
-              <a:latin typeface="Roboto"/>
-            </a:endParaRPr>
-          </a:p>
-          <a:p>
-            <a:pPr marL="342900" indent="-342900" algn="l">
-              <a:buClr>
-                <a:srgbClr val="0070C0"/>
-              </a:buClr>
-              <a:buSzPct val="80000"/>
-              <a:buFont typeface="Wingdings" pitchFamily="2" charset="2"/>
-              <a:buChar char="u"/>
-            </a:pPr>
-            <a:endParaRPr lang="en-US" altLang="en-US" sz="1800" b="1" dirty="0">
-              <a:solidFill>
-                <a:schemeClr val="tx1"/>
-              </a:solidFill>
-            </a:endParaRPr>
-          </a:p>
-          <a:p>
-            <a:pPr marL="342900" indent="-342900" algn="l">
-              <a:buClr>
-                <a:srgbClr val="0070C0"/>
-              </a:buClr>
-              <a:buSzPct val="80000"/>
-              <a:buFont typeface="Wingdings" pitchFamily="2" charset="2"/>
-              <a:buChar char="u"/>
             </a:pPr>
             <a:endParaRPr lang="en-US" altLang="en-US" sz="1800" b="1" dirty="0">
               <a:solidFill>
@@ -8368,7 +8208,7 @@
               <a:pPr/>
               <a:t>2020/8/25</a:t>
             </a:fld>
-            <a:endParaRPr lang="zh-TW" altLang="en-US"/>
+            <a:endParaRPr lang="zh-TW" altLang="en-US" dirty="0"/>
           </a:p>
         </p:txBody>
       </p:sp>
@@ -8443,9 +8283,266 @@
         </p:nvSpPr>
         <p:spPr>
           <a:xfrm>
-            <a:off x="0" y="2130425"/>
-            <a:ext cx="9144000" cy="1470025"/>
-          </a:xfrm>
+            <a:off x="0" y="1"/>
+            <a:ext cx="9144000" cy="764704"/>
+          </a:xfrm>
+          <a:gradFill flip="none" rotWithShape="1">
+            <a:gsLst>
+              <a:gs pos="0">
+                <a:srgbClr val="C00000">
+                  <a:shade val="30000"/>
+                  <a:satMod val="115000"/>
+                </a:srgbClr>
+              </a:gs>
+              <a:gs pos="50000">
+                <a:srgbClr val="C00000">
+                  <a:shade val="67500"/>
+                  <a:satMod val="115000"/>
+                </a:srgbClr>
+              </a:gs>
+              <a:gs pos="100000">
+                <a:srgbClr val="C00000">
+                  <a:shade val="100000"/>
+                  <a:satMod val="115000"/>
+                </a:srgbClr>
+              </a:gs>
+            </a:gsLst>
+            <a:path path="circle">
+              <a:fillToRect t="100000" r="100000"/>
+            </a:path>
+            <a:tileRect l="-100000" b="-100000"/>
+          </a:gradFill>
+        </p:spPr>
+        <p:txBody>
+          <a:bodyPr/>
+          <a:lstStyle/>
+          <a:p>
+            <a:pPr algn="l"/>
+            <a:r>
+              <a:rPr lang="en-US" altLang="zh-TW" sz="4400" b="1" dirty="0">
+                <a:solidFill>
+                  <a:srgbClr val="FFFF00"/>
+                </a:solidFill>
+              </a:rPr>
+              <a:t>3.4 Assignment</a:t>
+            </a:r>
+            <a:endParaRPr lang="zh-TW" altLang="en-US" b="1" dirty="0">
+              <a:solidFill>
+                <a:srgbClr val="FFFF00"/>
+              </a:solidFill>
+            </a:endParaRPr>
+          </a:p>
+        </p:txBody>
+      </p:sp>
+      <p:sp>
+        <p:nvSpPr>
+          <p:cNvPr id="3" name="副標題 2"/>
+          <p:cNvSpPr>
+            <a:spLocks noGrp="1"/>
+          </p:cNvSpPr>
+          <p:nvPr>
+            <p:ph type="subTitle" idx="1"/>
+          </p:nvPr>
+        </p:nvSpPr>
+        <p:spPr>
+          <a:xfrm>
+            <a:off x="520543" y="1391462"/>
+            <a:ext cx="8102913" cy="1893522"/>
+          </a:xfrm>
+          <a:ln>
+            <a:solidFill>
+              <a:srgbClr val="C00000"/>
+            </a:solidFill>
+          </a:ln>
+        </p:spPr>
+        <p:txBody>
+          <a:bodyPr>
+            <a:noAutofit/>
+          </a:bodyPr>
+          <a:lstStyle/>
+          <a:p>
+            <a:pPr marL="342900" indent="-342900" algn="l">
+              <a:buClr>
+                <a:srgbClr val="0070C0"/>
+              </a:buClr>
+              <a:buSzPct val="80000"/>
+              <a:buFont typeface="Wingdings" pitchFamily="2" charset="2"/>
+              <a:buChar char="u"/>
+            </a:pPr>
+            <a:r>
+              <a:rPr lang="en-US" altLang="en-US" sz="1800" b="1" dirty="0">
+                <a:solidFill>
+                  <a:schemeClr val="tx1"/>
+                </a:solidFill>
+              </a:rPr>
+              <a:t>Assignment</a:t>
+            </a:r>
+          </a:p>
+          <a:p>
+            <a:pPr marL="342900" indent="-342900" algn="l">
+              <a:buClr>
+                <a:srgbClr val="0070C0"/>
+              </a:buClr>
+              <a:buSzPct val="80000"/>
+              <a:buFont typeface="Wingdings" pitchFamily="2" charset="2"/>
+              <a:buChar char="u"/>
+            </a:pPr>
+            <a:r>
+              <a:rPr lang="en-US" altLang="en-US" sz="1800" b="1" dirty="0">
+                <a:solidFill>
+                  <a:schemeClr val="tx1"/>
+                </a:solidFill>
+              </a:rPr>
+              <a:t>3. Name the 3 fastest super computers in the world at the moment.</a:t>
+            </a:r>
+          </a:p>
+          <a:p>
+            <a:pPr marL="342900" indent="-342900" algn="l">
+              <a:buClr>
+                <a:srgbClr val="0070C0"/>
+              </a:buClr>
+              <a:buSzPct val="80000"/>
+              <a:buFont typeface="Wingdings" pitchFamily="2" charset="2"/>
+              <a:buChar char="u"/>
+            </a:pPr>
+            <a:r>
+              <a:rPr lang="en-US" sz="1800" b="1" i="0" dirty="0">
+                <a:solidFill>
+                  <a:schemeClr val="tx1"/>
+                </a:solidFill>
+                <a:effectLst/>
+              </a:rPr>
+              <a:t>Ans</a:t>
+            </a:r>
+            <a:r>
+              <a:rPr lang="en-US" sz="1800" b="1" dirty="0">
+                <a:solidFill>
+                  <a:schemeClr val="tx1"/>
+                </a:solidFill>
+              </a:rPr>
+              <a:t>:</a:t>
+            </a:r>
+            <a:r>
+              <a:rPr lang="en-US" sz="1800" b="1" i="0" dirty="0">
+                <a:solidFill>
+                  <a:srgbClr val="59595C"/>
+                </a:solidFill>
+                <a:effectLst/>
+              </a:rPr>
+              <a:t> </a:t>
+            </a:r>
+          </a:p>
+          <a:p>
+            <a:pPr marL="342900" indent="-342900" algn="l">
+              <a:buClr>
+                <a:srgbClr val="0070C0"/>
+              </a:buClr>
+              <a:buSzPct val="80000"/>
+              <a:buFont typeface="Wingdings" pitchFamily="2" charset="2"/>
+              <a:buChar char="u"/>
+            </a:pPr>
+            <a:r>
+              <a:rPr lang="en-US" sz="1800" b="0" i="0" dirty="0">
+                <a:solidFill>
+                  <a:srgbClr val="29303B"/>
+                </a:solidFill>
+                <a:effectLst/>
+                <a:latin typeface="sf pro text"/>
+              </a:rPr>
+              <a:t>1) IBM Summit</a:t>
+            </a:r>
+            <a:br>
+              <a:rPr lang="en-US" sz="1800" dirty="0"/>
+            </a:br>
+            <a:r>
+              <a:rPr lang="en-US" sz="1800" b="0" i="0" dirty="0">
+                <a:solidFill>
+                  <a:srgbClr val="29303B"/>
+                </a:solidFill>
+                <a:effectLst/>
+                <a:latin typeface="sf pro text"/>
+              </a:rPr>
+              <a:t>2) IBM/Nvidia/Mellanox Sierra</a:t>
+            </a:r>
+            <a:br>
+              <a:rPr lang="en-US" sz="1800" dirty="0"/>
+            </a:br>
+            <a:r>
+              <a:rPr lang="en-US" sz="1800" b="0" i="0" dirty="0">
+                <a:solidFill>
+                  <a:srgbClr val="29303B"/>
+                </a:solidFill>
+                <a:effectLst/>
+                <a:latin typeface="sf pro text"/>
+              </a:rPr>
+              <a:t>3) Sunway </a:t>
+            </a:r>
+            <a:r>
+              <a:rPr lang="en-US" sz="1800" b="0" i="0" dirty="0" err="1">
+                <a:solidFill>
+                  <a:srgbClr val="29303B"/>
+                </a:solidFill>
+                <a:effectLst/>
+                <a:latin typeface="sf pro text"/>
+              </a:rPr>
+              <a:t>TaihuLight</a:t>
+            </a:r>
+            <a:endParaRPr lang="en-US" sz="1800" b="0" i="0" dirty="0">
+              <a:solidFill>
+                <a:srgbClr val="59595C"/>
+              </a:solidFill>
+              <a:effectLst/>
+              <a:latin typeface="Roboto"/>
+            </a:endParaRPr>
+          </a:p>
+          <a:p>
+            <a:pPr marL="342900" indent="-342900" algn="l">
+              <a:buClr>
+                <a:srgbClr val="0070C0"/>
+              </a:buClr>
+              <a:buSzPct val="80000"/>
+              <a:buFont typeface="Wingdings" pitchFamily="2" charset="2"/>
+              <a:buChar char="u"/>
+            </a:pPr>
+            <a:endParaRPr lang="en-US" altLang="en-US" sz="1800" b="1" dirty="0">
+              <a:solidFill>
+                <a:schemeClr val="tx1"/>
+              </a:solidFill>
+            </a:endParaRPr>
+          </a:p>
+          <a:p>
+            <a:pPr marL="342900" indent="-342900" algn="l">
+              <a:buClr>
+                <a:srgbClr val="0070C0"/>
+              </a:buClr>
+              <a:buSzPct val="80000"/>
+              <a:buFont typeface="Wingdings" pitchFamily="2" charset="2"/>
+              <a:buChar char="u"/>
+            </a:pPr>
+            <a:endParaRPr lang="en-US" altLang="en-US" sz="1800" b="1" dirty="0">
+              <a:solidFill>
+                <a:schemeClr val="tx1"/>
+              </a:solidFill>
+            </a:endParaRPr>
+          </a:p>
+        </p:txBody>
+      </p:sp>
+      <p:sp>
+        <p:nvSpPr>
+          <p:cNvPr id="4" name="標題 1"/>
+          <p:cNvSpPr txBox="1">
+            <a:spLocks/>
+          </p:cNvSpPr>
+          <p:nvPr/>
+        </p:nvSpPr>
+        <p:spPr>
+          <a:xfrm>
+            <a:off x="0" y="764704"/>
+            <a:ext cx="9144000" cy="398616"/>
+          </a:xfrm>
+          <a:prstGeom prst="rect">
+            <a:avLst/>
+          </a:prstGeom>
           <a:gradFill flip="none" rotWithShape="1">
             <a:gsLst>
               <a:gs pos="0">
@@ -8474,6 +8571,153 @@
           </a:gradFill>
         </p:spPr>
         <p:txBody>
+          <a:bodyPr vert="horz" lIns="91440" tIns="45720" rIns="91440" bIns="45720" rtlCol="0" anchor="ctr">
+            <a:normAutofit/>
+          </a:bodyPr>
+          <a:lstStyle/>
+          <a:p>
+            <a:pPr marL="0" lvl="1"/>
+            <a:r>
+              <a:rPr lang="en-US" sz="1600" dirty="0">
+                <a:hlinkClick r:id="rId2"/>
+              </a:rPr>
+              <a:t>https://www.udemy.com/course/cuda-programming-masterclass/learn/lecture/11833342#overview</a:t>
+            </a:r>
+            <a:endParaRPr lang="en-US" sz="1600" dirty="0"/>
+          </a:p>
+        </p:txBody>
+      </p:sp>
+      <p:sp>
+        <p:nvSpPr>
+          <p:cNvPr id="5" name="日期版面配置區 4"/>
+          <p:cNvSpPr>
+            <a:spLocks noGrp="1"/>
+          </p:cNvSpPr>
+          <p:nvPr>
+            <p:ph type="dt" sz="half" idx="10"/>
+          </p:nvPr>
+        </p:nvSpPr>
+        <p:spPr>
+          <a:xfrm>
+            <a:off x="457200" y="6356350"/>
+            <a:ext cx="2133600" cy="404246"/>
+          </a:xfrm>
+        </p:spPr>
+        <p:txBody>
+          <a:bodyPr/>
+          <a:lstStyle/>
+          <a:p>
+            <a:fld id="{A4F910E6-8D00-4BAF-8C48-9688E0B449D3}" type="datetime1">
+              <a:rPr lang="zh-TW" altLang="en-US" smtClean="0"/>
+              <a:pPr/>
+              <a:t>2020/8/25</a:t>
+            </a:fld>
+            <a:endParaRPr lang="zh-TW" altLang="en-US" dirty="0"/>
+          </a:p>
+        </p:txBody>
+      </p:sp>
+      <p:sp>
+        <p:nvSpPr>
+          <p:cNvPr id="6" name="投影片編號版面配置區 5"/>
+          <p:cNvSpPr>
+            <a:spLocks noGrp="1"/>
+          </p:cNvSpPr>
+          <p:nvPr>
+            <p:ph type="sldNum" sz="quarter" idx="12"/>
+          </p:nvPr>
+        </p:nvSpPr>
+        <p:spPr>
+          <a:xfrm>
+            <a:off x="6553200" y="6356350"/>
+            <a:ext cx="2133600" cy="404246"/>
+          </a:xfrm>
+        </p:spPr>
+        <p:txBody>
+          <a:bodyPr/>
+          <a:lstStyle/>
+          <a:p>
+            <a:fld id="{E4D7E63D-91F2-4366-A2C4-1B00C9E2590E}" type="slidenum">
+              <a:rPr lang="zh-TW" altLang="en-US" smtClean="0"/>
+              <a:pPr/>
+              <a:t>22</a:t>
+            </a:fld>
+            <a:endParaRPr lang="zh-TW" altLang="en-US"/>
+          </a:p>
+        </p:txBody>
+      </p:sp>
+    </p:spTree>
+    <p:extLst>
+      <p:ext uri="{BB962C8B-B14F-4D97-AF65-F5344CB8AC3E}">
+        <p14:creationId xmlns:p14="http://schemas.microsoft.com/office/powerpoint/2010/main" val="1994384165"/>
+      </p:ext>
+    </p:extLst>
+  </p:cSld>
+  <p:clrMapOvr>
+    <a:masterClrMapping/>
+  </p:clrMapOvr>
+</p:sld>
+</file>
+
+<file path=ppt/slides/slide23.xml><?xml version="1.0" encoding="utf-8"?>
+<p:sld xmlns:a="http://schemas.openxmlformats.org/drawingml/2006/main" xmlns:r="http://schemas.openxmlformats.org/officeDocument/2006/relationships" xmlns:p="http://schemas.openxmlformats.org/presentationml/2006/main">
+  <p:cSld>
+    <p:spTree>
+      <p:nvGrpSpPr>
+        <p:cNvPr id="1" name=""/>
+        <p:cNvGrpSpPr/>
+        <p:nvPr/>
+      </p:nvGrpSpPr>
+      <p:grpSpPr>
+        <a:xfrm>
+          <a:off x="0" y="0"/>
+          <a:ext cx="0" cy="0"/>
+          <a:chOff x="0" y="0"/>
+          <a:chExt cx="0" cy="0"/>
+        </a:xfrm>
+      </p:grpSpPr>
+      <p:sp>
+        <p:nvSpPr>
+          <p:cNvPr id="2" name="標題 1"/>
+          <p:cNvSpPr>
+            <a:spLocks noGrp="1"/>
+          </p:cNvSpPr>
+          <p:nvPr>
+            <p:ph type="ctrTitle"/>
+          </p:nvPr>
+        </p:nvSpPr>
+        <p:spPr>
+          <a:xfrm>
+            <a:off x="0" y="2130425"/>
+            <a:ext cx="9144000" cy="1470025"/>
+          </a:xfrm>
+          <a:gradFill flip="none" rotWithShape="1">
+            <a:gsLst>
+              <a:gs pos="0">
+                <a:srgbClr val="00B0F0">
+                  <a:shade val="30000"/>
+                  <a:satMod val="115000"/>
+                </a:srgbClr>
+              </a:gs>
+              <a:gs pos="50000">
+                <a:srgbClr val="00B0F0">
+                  <a:shade val="67500"/>
+                  <a:satMod val="115000"/>
+                </a:srgbClr>
+              </a:gs>
+              <a:gs pos="100000">
+                <a:srgbClr val="00B0F0">
+                  <a:shade val="100000"/>
+                  <a:satMod val="115000"/>
+                </a:srgbClr>
+              </a:gs>
+            </a:gsLst>
+            <a:path path="circle">
+              <a:fillToRect t="100000" r="100000"/>
+            </a:path>
+            <a:tileRect l="-100000" b="-100000"/>
+          </a:gradFill>
+        </p:spPr>
+        <p:txBody>
           <a:bodyPr>
             <a:normAutofit/>
           </a:bodyPr>
@@ -8537,7 +8781,7 @@
             <a:fld id="{E4D7E63D-91F2-4366-A2C4-1B00C9E2590E}" type="slidenum">
               <a:rPr lang="zh-TW" altLang="en-US" smtClean="0"/>
               <a:pPr/>
-              <a:t>22</a:t>
+              <a:t>23</a:t>
             </a:fld>
             <a:endParaRPr lang="zh-TW" altLang="en-US"/>
           </a:p>
